--- a/Simple Expense tracker PPT.pptx
+++ b/Simple Expense tracker PPT.pptx
@@ -7,7 +7,7 @@
   <p:sldIdLst>
     <p:sldId id="258" r:id="rId2"/>
     <p:sldId id="261" r:id="rId3"/>
-    <p:sldId id="260" r:id="rId4"/>
+    <p:sldId id="262" r:id="rId4"/>
   </p:sldIdLst>
   <p:sldSz cx="12192000" cy="6858000"/>
   <p:notesSz cx="6858000" cy="9144000"/>
@@ -352,7 +352,7 @@
           <a:p>
             <a:fld id="{ED291B17-9318-49DB-B28B-6E5994AE9581}" type="datetime1">
               <a:rPr lang="en-US" smtClean="0"/>
-              <a:t>12/3/2020</a:t>
+              <a:t>12/10/2020</a:t>
             </a:fld>
             <a:endParaRPr lang="en-US" dirty="0"/>
           </a:p>
@@ -555,7 +555,7 @@
           <a:p>
             <a:fld id="{2CED4963-E985-44C4-B8C4-FDD613B7C2F8}" type="datetime1">
               <a:rPr lang="en-US" smtClean="0"/>
-              <a:t>12/3/2020</a:t>
+              <a:t>12/10/2020</a:t>
             </a:fld>
             <a:endParaRPr lang="en-US" dirty="0"/>
           </a:p>
@@ -917,7 +917,7 @@
           <a:p>
             <a:fld id="{ED291B17-9318-49DB-B28B-6E5994AE9581}" type="datetime1">
               <a:rPr lang="en-US" smtClean="0"/>
-              <a:t>12/3/2020</a:t>
+              <a:t>12/10/2020</a:t>
             </a:fld>
             <a:endParaRPr lang="en-US" dirty="0"/>
           </a:p>
@@ -1115,7 +1115,7 @@
           <a:p>
             <a:fld id="{78DD82B9-B8EE-4375-B6FF-88FA6ABB15D9}" type="datetime1">
               <a:rPr lang="en-US" smtClean="0"/>
-              <a:t>12/3/2020</a:t>
+              <a:t>12/10/2020</a:t>
             </a:fld>
             <a:endParaRPr lang="en-US" dirty="0"/>
           </a:p>
@@ -1427,7 +1427,7 @@
           <a:p>
             <a:fld id="{B2497495-0637-405E-AE64-5CC7506D51F5}" type="datetime1">
               <a:rPr lang="en-US" smtClean="0"/>
-              <a:t>12/3/2020</a:t>
+              <a:t>12/10/2020</a:t>
             </a:fld>
             <a:endParaRPr lang="en-US" dirty="0"/>
           </a:p>
@@ -1680,7 +1680,7 @@
           <a:p>
             <a:fld id="{7BFFD690-9426-415D-8B65-26881E07B2D4}" type="datetime1">
               <a:rPr lang="en-US" smtClean="0"/>
-              <a:t>12/3/2020</a:t>
+              <a:t>12/10/2020</a:t>
             </a:fld>
             <a:endParaRPr lang="en-US" dirty="0"/>
           </a:p>
@@ -2102,7 +2102,7 @@
           <a:p>
             <a:fld id="{04C4989A-474C-40DE-95B9-011C28B71673}" type="datetime1">
               <a:rPr lang="en-US" smtClean="0"/>
-              <a:t>12/3/2020</a:t>
+              <a:t>12/10/2020</a:t>
             </a:fld>
             <a:endParaRPr lang="en-US" dirty="0"/>
           </a:p>
@@ -2225,7 +2225,7 @@
           <a:p>
             <a:fld id="{5DB4ED54-5B5E-4A04-93D3-5772E3CE3818}" type="datetime1">
               <a:rPr lang="en-US" smtClean="0"/>
-              <a:t>12/3/2020</a:t>
+              <a:t>12/10/2020</a:t>
             </a:fld>
             <a:endParaRPr lang="en-US" dirty="0"/>
           </a:p>
@@ -2320,7 +2320,7 @@
           <a:p>
             <a:fld id="{4EDE50D6-574B-40AF-946F-D52A04ADE379}" type="datetime1">
               <a:rPr lang="en-US" smtClean="0"/>
-              <a:t>12/3/2020</a:t>
+              <a:t>12/10/2020</a:t>
             </a:fld>
             <a:endParaRPr lang="en-US" dirty="0"/>
           </a:p>
@@ -2697,7 +2697,7 @@
           <a:p>
             <a:fld id="{D82884F1-FFEA-405F-9602-3DCA865EDA4E}" type="datetime1">
               <a:rPr lang="en-US" smtClean="0"/>
-              <a:t>12/3/2020</a:t>
+              <a:t>12/10/2020</a:t>
             </a:fld>
             <a:endParaRPr lang="en-US" dirty="0"/>
           </a:p>
@@ -2990,7 +2990,7 @@
           <a:p>
             <a:fld id="{7E18DB4A-8810-4A10-AD5C-D5E2C667F5B3}" type="datetime1">
               <a:rPr lang="en-US" smtClean="0"/>
-              <a:t>12/3/2020</a:t>
+              <a:t>12/10/2020</a:t>
             </a:fld>
             <a:endParaRPr lang="en-US" dirty="0"/>
           </a:p>
@@ -3205,7 +3205,7 @@
           <a:p>
             <a:fld id="{ED291B17-9318-49DB-B28B-6E5994AE9581}" type="datetime1">
               <a:rPr lang="en-US" smtClean="0"/>
-              <a:t>12/3/2020</a:t>
+              <a:t>12/10/2020</a:t>
             </a:fld>
             <a:endParaRPr lang="en-US" dirty="0"/>
           </a:p>
@@ -4461,13 +4461,13 @@
   <p:clrMapOvr>
     <a:overrideClrMapping bg1="dk1" tx1="lt1" bg2="dk2" tx2="lt2" accent1="accent1" accent2="accent2" accent3="accent3" accent4="accent4" accent5="accent5" accent6="accent6" hlink="hlink" folHlink="folHlink"/>
   </p:clrMapOvr>
-  <mc:AlternateContent xmlns:mc="http://schemas.openxmlformats.org/markup-compatibility/2006">
-    <mc:Choice xmlns:p14="http://schemas.microsoft.com/office/powerpoint/2010/main" Requires="p14">
+  <mc:AlternateContent xmlns:mc="http://schemas.openxmlformats.org/markup-compatibility/2006" xmlns:p14="http://schemas.microsoft.com/office/powerpoint/2010/main">
+    <mc:Choice Requires="p14">
       <p:transition spd="med" p14:dur="700">
         <p:fade/>
       </p:transition>
     </mc:Choice>
-    <mc:Fallback>
+    <mc:Fallback xmlns="">
       <p:transition spd="med">
         <p:fade/>
       </p:transition>
@@ -5070,13 +5070,13 @@
   <p:clrMapOvr>
     <a:overrideClrMapping bg1="dk1" tx1="lt1" bg2="dk2" tx2="lt2" accent1="accent1" accent2="accent2" accent3="accent3" accent4="accent4" accent5="accent5" accent6="accent6" hlink="hlink" folHlink="folHlink"/>
   </p:clrMapOvr>
-  <mc:AlternateContent xmlns:mc="http://schemas.openxmlformats.org/markup-compatibility/2006">
-    <mc:Choice xmlns:p14="http://schemas.microsoft.com/office/powerpoint/2010/main" Requires="p14">
+  <mc:AlternateContent xmlns:mc="http://schemas.openxmlformats.org/markup-compatibility/2006" xmlns:p14="http://schemas.microsoft.com/office/powerpoint/2010/main">
+    <mc:Choice Requires="p14">
       <p:transition spd="med" p14:dur="700">
         <p:fade/>
       </p:transition>
     </mc:Choice>
-    <mc:Fallback>
+    <mc:Fallback xmlns="">
       <p:transition spd="med">
         <p:fade/>
       </p:transition>
@@ -5772,8 +5772,8 @@
         </p:blipFill>
         <p:spPr>
           <a:xfrm>
-            <a:off x="4239769" y="638175"/>
-            <a:ext cx="3682784" cy="4257675"/>
+            <a:off x="4239769" y="638176"/>
+            <a:ext cx="3682784" cy="4160328"/>
           </a:xfrm>
           <a:prstGeom prst="rect">
             <a:avLst/>
@@ -5801,8 +5801,8 @@
         </p:blipFill>
         <p:spPr>
           <a:xfrm>
-            <a:off x="8056667" y="638175"/>
-            <a:ext cx="3694176" cy="2733674"/>
+            <a:off x="8056667" y="638174"/>
+            <a:ext cx="3694176" cy="2790825"/>
           </a:xfrm>
           <a:prstGeom prst="rect">
             <a:avLst/>
@@ -5811,10 +5811,10 @@
       </p:pic>
       <p:pic>
         <p:nvPicPr>
-          <p:cNvPr id="4" name="Picture 3" descr="Text&#10;&#10;Description automatically generated">
+          <p:cNvPr id="15" name="Picture 14">
             <a:extLst>
               <a:ext uri="{FF2B5EF4-FFF2-40B4-BE49-F238E27FC236}">
-                <a16:creationId xmlns:a16="http://schemas.microsoft.com/office/drawing/2014/main" id="{8518B533-3186-4020-9C7C-B3A67E39F761}"/>
+                <a16:creationId xmlns:a16="http://schemas.microsoft.com/office/drawing/2014/main" id="{B7733AD9-657F-41DE-9C9A-AD67A2684E63}"/>
               </a:ext>
             </a:extLst>
           </p:cNvPr>
@@ -5824,26 +5824,14 @@
           <p:nvPr/>
         </p:nvPicPr>
         <p:blipFill rotWithShape="1">
-          <a:blip r:embed="rId4">
-            <a:extLst>
-              <a:ext uri="{BEBA8EAE-BF5A-486C-A8C5-ECC9F3942E4B}">
-                <a14:imgProps xmlns:a14="http://schemas.microsoft.com/office/drawing/2010/main">
-                  <a14:imgLayer r:embed="rId5">
-                    <a14:imgEffect>
-                      <a14:brightnessContrast bright="-40000" contrast="40000"/>
-                    </a14:imgEffect>
-                  </a14:imgLayer>
-                </a14:imgProps>
-              </a:ext>
-            </a:extLst>
-          </a:blip>
-          <a:srcRect l="73" r="17321"/>
+          <a:blip r:embed="rId4"/>
+          <a:srcRect r="3781"/>
           <a:stretch/>
         </p:blipFill>
         <p:spPr>
           <a:xfrm>
-            <a:off x="8042147" y="3532507"/>
-            <a:ext cx="3682784" cy="2825496"/>
+            <a:off x="4239769" y="4888041"/>
+            <a:ext cx="3682784" cy="1501560"/>
           </a:xfrm>
           <a:prstGeom prst="rect">
             <a:avLst/>
@@ -5852,10 +5840,10 @@
       </p:pic>
       <p:pic>
         <p:nvPicPr>
-          <p:cNvPr id="15" name="Picture 14">
+          <p:cNvPr id="5" name="Picture 4">
             <a:extLst>
               <a:ext uri="{FF2B5EF4-FFF2-40B4-BE49-F238E27FC236}">
-                <a16:creationId xmlns:a16="http://schemas.microsoft.com/office/drawing/2014/main" id="{B7733AD9-657F-41DE-9C9A-AD67A2684E63}"/>
+                <a16:creationId xmlns:a16="http://schemas.microsoft.com/office/drawing/2014/main" id="{049C50D0-0A89-4FB0-A765-7BF93511C0AF}"/>
               </a:ext>
             </a:extLst>
           </p:cNvPr>
@@ -5864,15 +5852,16 @@
           </p:cNvPicPr>
           <p:nvPr/>
         </p:nvPicPr>
-        <p:blipFill rotWithShape="1">
-          <a:blip r:embed="rId6"/>
-          <a:srcRect r="3781"/>
-          <a:stretch/>
+        <p:blipFill>
+          <a:blip r:embed="rId5"/>
+          <a:stretch>
+            <a:fillRect/>
+          </a:stretch>
         </p:blipFill>
         <p:spPr>
           <a:xfrm>
-            <a:off x="4239769" y="4945255"/>
-            <a:ext cx="3682784" cy="1444345"/>
+            <a:off x="8056667" y="3571997"/>
+            <a:ext cx="3703320" cy="2817603"/>
           </a:xfrm>
           <a:prstGeom prst="rect">
             <a:avLst/>
@@ -5882,7 +5871,7 @@
     </p:spTree>
     <p:extLst>
       <p:ext uri="{BB962C8B-B14F-4D97-AF65-F5344CB8AC3E}">
-        <p14:creationId xmlns:p14="http://schemas.microsoft.com/office/powerpoint/2010/main" val="440586024"/>
+        <p14:creationId xmlns:p14="http://schemas.microsoft.com/office/powerpoint/2010/main" val="71365440"/>
       </p:ext>
     </p:extLst>
   </p:cSld>
